--- a/NBIS_SLU_Feb2020.pptx
+++ b/NBIS_SLU_Feb2020.pptx
@@ -121,6 +121,11 @@
       </a:defRPr>
     </a:lvl9pPr>
   </p:defaultTextStyle>
+  <p:extLst>
+    <p:ext uri="{EFAFB233-063F-42B5-8137-9DF3F51BA10A}">
+      <p15:sldGuideLst xmlns:p15="http://schemas.microsoft.com/office/powerpoint/2012/main"/>
+    </p:ext>
+  </p:extLst>
 </p:presentation>
 </file>
 
@@ -7234,8 +7239,8 @@
         </p:nvSpPr>
         <p:spPr>
           <a:xfrm>
-            <a:off x="143692" y="5313272"/>
-            <a:ext cx="6858000" cy="1655762"/>
+            <a:off x="143691" y="5313272"/>
+            <a:ext cx="9000309" cy="1655762"/>
           </a:xfrm>
         </p:spPr>
         <p:txBody>
@@ -7254,13 +7259,25 @@
           <a:p>
             <a:pPr algn="l"/>
             <a:r>
-              <a:rPr lang="sv-SE" dirty="0" err="1"/>
+              <a:rPr lang="sv-SE" dirty="0"/>
               <a:t>Sebastian.DiLorenzo@NBIS.se</a:t>
             </a:r>
-            <a:endParaRPr lang="sv-SE" dirty="0"/>
-          </a:p>
-          <a:p>
-            <a:endParaRPr lang="sv-SE" dirty="0"/>
+          </a:p>
+          <a:p>
+            <a:pPr algn="l"/>
+            <a:endParaRPr lang="sv-SE" sz="1100" dirty="0">
+              <a:hlinkClick r:id="rId2"/>
+            </a:endParaRPr>
+          </a:p>
+          <a:p>
+            <a:pPr algn="l"/>
+            <a:r>
+              <a:rPr lang="sv-SE" sz="1100" dirty="0">
+                <a:hlinkClick r:id="rId2"/>
+              </a:rPr>
+              <a:t>https://github.com/Sebastian-D/Presentations</a:t>
+            </a:r>
+            <a:endParaRPr lang="sv-SE" sz="1100" dirty="0"/>
           </a:p>
         </p:txBody>
       </p:sp>
@@ -12658,6 +12675,44 @@
           </a:prstGeom>
         </p:spPr>
       </p:pic>
+      <p:sp>
+        <p:nvSpPr>
+          <p:cNvPr id="2" name="TextBox 1">
+            <a:extLst>
+              <a:ext uri="{FF2B5EF4-FFF2-40B4-BE49-F238E27FC236}">
+                <a16:creationId xmlns:a16="http://schemas.microsoft.com/office/drawing/2014/main" id="{D16A5A0B-86DB-924A-B077-503D850DCD25}"/>
+              </a:ext>
+            </a:extLst>
+          </p:cNvPr>
+          <p:cNvSpPr txBox="1"/>
+          <p:nvPr/>
+        </p:nvSpPr>
+        <p:spPr>
+          <a:xfrm>
+            <a:off x="0" y="6467845"/>
+            <a:ext cx="3379451" cy="261610"/>
+          </a:xfrm>
+          <a:prstGeom prst="rect">
+            <a:avLst/>
+          </a:prstGeom>
+          <a:noFill/>
+        </p:spPr>
+        <p:txBody>
+          <a:bodyPr wrap="none" rtlCol="0">
+            <a:spAutoFit/>
+          </a:bodyPr>
+          <a:lstStyle/>
+          <a:p>
+            <a:r>
+              <a:rPr lang="sv-SE" sz="1100" dirty="0">
+                <a:hlinkClick r:id="rId3"/>
+              </a:rPr>
+              <a:t>https://github.com/Sebastian-D/Presentations</a:t>
+            </a:r>
+            <a:endParaRPr lang="sv-SE" sz="1100" dirty="0"/>
+          </a:p>
+        </p:txBody>
+      </p:sp>
     </p:spTree>
     <p:extLst>
       <p:ext uri="{BB962C8B-B14F-4D97-AF65-F5344CB8AC3E}">
